--- a/DS_Sat_2020/DS-Day-03 R.pptx
+++ b/DS_Sat_2020/DS-Day-03 R.pptx
@@ -202,7 +202,7 @@
           <a:p>
             <a:fld id="{22783AA6-C1EF-448D-A48A-EF30DCBEFCCC}" type="datetimeFigureOut">
               <a:rPr lang="en-US" smtClean="0"/>
-              <a:t>9/25/20</a:t>
+              <a:t>9/26/20</a:t>
             </a:fld>
             <a:endParaRPr lang="en-US"/>
           </a:p>
@@ -1224,7 +1224,7 @@
           <a:p>
             <a:fld id="{C14F4D0B-68E4-4C14-BD4D-319F9BD213A3}" type="datetimeFigureOut">
               <a:rPr lang="ru-RU" smtClean="0"/>
-              <a:t>25.09.2020</a:t>
+              <a:t>26.09.2020</a:t>
             </a:fld>
             <a:endParaRPr lang="ru-RU"/>
           </a:p>
@@ -1394,7 +1394,7 @@
           <a:p>
             <a:fld id="{C14F4D0B-68E4-4C14-BD4D-319F9BD213A3}" type="datetimeFigureOut">
               <a:rPr lang="ru-RU" smtClean="0"/>
-              <a:t>25.09.2020</a:t>
+              <a:t>26.09.2020</a:t>
             </a:fld>
             <a:endParaRPr lang="ru-RU"/>
           </a:p>
@@ -1574,7 +1574,7 @@
           <a:p>
             <a:fld id="{C14F4D0B-68E4-4C14-BD4D-319F9BD213A3}" type="datetimeFigureOut">
               <a:rPr lang="ru-RU" smtClean="0"/>
-              <a:t>25.09.2020</a:t>
+              <a:t>26.09.2020</a:t>
             </a:fld>
             <a:endParaRPr lang="ru-RU"/>
           </a:p>
@@ -1744,7 +1744,7 @@
           <a:p>
             <a:fld id="{C14F4D0B-68E4-4C14-BD4D-319F9BD213A3}" type="datetimeFigureOut">
               <a:rPr lang="ru-RU" smtClean="0"/>
-              <a:t>25.09.2020</a:t>
+              <a:t>26.09.2020</a:t>
             </a:fld>
             <a:endParaRPr lang="ru-RU"/>
           </a:p>
@@ -1995,7 +1995,7 @@
           <a:p>
             <a:fld id="{C14F4D0B-68E4-4C14-BD4D-319F9BD213A3}" type="datetimeFigureOut">
               <a:rPr lang="ru-RU" smtClean="0"/>
-              <a:t>25.09.2020</a:t>
+              <a:t>26.09.2020</a:t>
             </a:fld>
             <a:endParaRPr lang="ru-RU"/>
           </a:p>
@@ -2227,7 +2227,7 @@
           <a:p>
             <a:fld id="{C14F4D0B-68E4-4C14-BD4D-319F9BD213A3}" type="datetimeFigureOut">
               <a:rPr lang="ru-RU" smtClean="0"/>
-              <a:t>25.09.2020</a:t>
+              <a:t>26.09.2020</a:t>
             </a:fld>
             <a:endParaRPr lang="ru-RU"/>
           </a:p>
@@ -2574,7 +2574,7 @@
           <a:p>
             <a:fld id="{C14F4D0B-68E4-4C14-BD4D-319F9BD213A3}" type="datetimeFigureOut">
               <a:rPr lang="ru-RU" smtClean="0"/>
-              <a:t>25.09.2020</a:t>
+              <a:t>26.09.2020</a:t>
             </a:fld>
             <a:endParaRPr lang="ru-RU"/>
           </a:p>
@@ -2692,7 +2692,7 @@
           <a:p>
             <a:fld id="{C14F4D0B-68E4-4C14-BD4D-319F9BD213A3}" type="datetimeFigureOut">
               <a:rPr lang="ru-RU" smtClean="0"/>
-              <a:t>25.09.2020</a:t>
+              <a:t>26.09.2020</a:t>
             </a:fld>
             <a:endParaRPr lang="ru-RU"/>
           </a:p>
@@ -2810,7 +2810,7 @@
           <a:p>
             <a:fld id="{C14F4D0B-68E4-4C14-BD4D-319F9BD213A3}" type="datetimeFigureOut">
               <a:rPr lang="ru-RU" smtClean="0"/>
-              <a:t>25.09.2020</a:t>
+              <a:t>26.09.2020</a:t>
             </a:fld>
             <a:endParaRPr lang="ru-RU"/>
           </a:p>
@@ -3094,7 +3094,7 @@
           <a:p>
             <a:fld id="{C14F4D0B-68E4-4C14-BD4D-319F9BD213A3}" type="datetimeFigureOut">
               <a:rPr lang="ru-RU" smtClean="0"/>
-              <a:t>25.09.2020</a:t>
+              <a:t>26.09.2020</a:t>
             </a:fld>
             <a:endParaRPr lang="ru-RU"/>
           </a:p>
@@ -3358,7 +3358,7 @@
           <a:p>
             <a:fld id="{C14F4D0B-68E4-4C14-BD4D-319F9BD213A3}" type="datetimeFigureOut">
               <a:rPr lang="ru-RU" smtClean="0"/>
-              <a:t>25.09.2020</a:t>
+              <a:t>26.09.2020</a:t>
             </a:fld>
             <a:endParaRPr lang="ru-RU"/>
           </a:p>
@@ -3572,7 +3572,7 @@
           <a:p>
             <a:fld id="{C14F4D0B-68E4-4C14-BD4D-319F9BD213A3}" type="datetimeFigureOut">
               <a:rPr lang="ru-RU" smtClean="0"/>
-              <a:t>25.09.2020</a:t>
+              <a:t>26.09.2020</a:t>
             </a:fld>
             <a:endParaRPr lang="ru-RU"/>
           </a:p>
@@ -5912,25 +5912,7 @@
               <a:rPr lang="en-US" sz="2400" dirty="0">
                 <a:latin typeface="Calibri (Основной текст)"/>
               </a:rPr>
-              <a:t>*</a:t>
-            </a:r>
-            <a:r>
-              <a:rPr lang="en-US" sz="2400" dirty="0" err="1">
-                <a:latin typeface="Calibri (Основной текст)"/>
-              </a:rPr>
-              <a:t>exp</a:t>
-            </a:r>
-            <a:r>
-              <a:rPr lang="en-US" sz="2400" dirty="0">
-                <a:latin typeface="Calibri (Основной текст)"/>
-              </a:rPr>
-              <a:t>(-k*</a:t>
-            </a:r>
-            <a:r>
-              <a:rPr lang="en-US" sz="2400">
-                <a:latin typeface="Calibri (Основной текст)"/>
-              </a:rPr>
-              <a:t>X)),</a:t>
+              <a:t>*exp(-k*X),</a:t>
             </a:r>
             <a:r>
               <a:rPr lang="ru-RU" sz="2400" dirty="0">
